--- a/Модели ИИ для разработчика.pptx
+++ b/Модели ИИ для разработчика.pptx
@@ -115,6 +115,11 @@
       </a:defRPr>
     </a:lvl9pPr>
   </p:defaultTextStyle>
+  <p:extLst>
+    <p:ext uri="{EFAFB233-063F-42B5-8137-9DF3F51BA10A}">
+      <p15:sldGuideLst xmlns:p15="http://schemas.microsoft.com/office/powerpoint/2012/main"/>
+    </p:ext>
+  </p:extLst>
 </p:presentation>
 </file>
 
@@ -265,7 +270,7 @@
           <a:p>
             <a:fld id="{FD673BFA-BC59-47CF-820F-8FEDB121844D}" type="datetimeFigureOut">
               <a:rPr lang="ru-RU" smtClean="0"/>
-              <a:t>18.01.2026</a:t>
+              <a:t>19.01.2026</a:t>
             </a:fld>
             <a:endParaRPr lang="ru-RU"/>
           </a:p>
@@ -463,7 +468,7 @@
           <a:p>
             <a:fld id="{FD673BFA-BC59-47CF-820F-8FEDB121844D}" type="datetimeFigureOut">
               <a:rPr lang="ru-RU" smtClean="0"/>
-              <a:t>18.01.2026</a:t>
+              <a:t>19.01.2026</a:t>
             </a:fld>
             <a:endParaRPr lang="ru-RU"/>
           </a:p>
@@ -671,7 +676,7 @@
           <a:p>
             <a:fld id="{FD673BFA-BC59-47CF-820F-8FEDB121844D}" type="datetimeFigureOut">
               <a:rPr lang="ru-RU" smtClean="0"/>
-              <a:t>18.01.2026</a:t>
+              <a:t>19.01.2026</a:t>
             </a:fld>
             <a:endParaRPr lang="ru-RU"/>
           </a:p>
@@ -869,7 +874,7 @@
           <a:p>
             <a:fld id="{FD673BFA-BC59-47CF-820F-8FEDB121844D}" type="datetimeFigureOut">
               <a:rPr lang="ru-RU" smtClean="0"/>
-              <a:t>18.01.2026</a:t>
+              <a:t>19.01.2026</a:t>
             </a:fld>
             <a:endParaRPr lang="ru-RU"/>
           </a:p>
@@ -1144,7 +1149,7 @@
           <a:p>
             <a:fld id="{FD673BFA-BC59-47CF-820F-8FEDB121844D}" type="datetimeFigureOut">
               <a:rPr lang="ru-RU" smtClean="0"/>
-              <a:t>18.01.2026</a:t>
+              <a:t>19.01.2026</a:t>
             </a:fld>
             <a:endParaRPr lang="ru-RU"/>
           </a:p>
@@ -1409,7 +1414,7 @@
           <a:p>
             <a:fld id="{FD673BFA-BC59-47CF-820F-8FEDB121844D}" type="datetimeFigureOut">
               <a:rPr lang="ru-RU" smtClean="0"/>
-              <a:t>18.01.2026</a:t>
+              <a:t>19.01.2026</a:t>
             </a:fld>
             <a:endParaRPr lang="ru-RU"/>
           </a:p>
@@ -1821,7 +1826,7 @@
           <a:p>
             <a:fld id="{FD673BFA-BC59-47CF-820F-8FEDB121844D}" type="datetimeFigureOut">
               <a:rPr lang="ru-RU" smtClean="0"/>
-              <a:t>18.01.2026</a:t>
+              <a:t>19.01.2026</a:t>
             </a:fld>
             <a:endParaRPr lang="ru-RU"/>
           </a:p>
@@ -1962,7 +1967,7 @@
           <a:p>
             <a:fld id="{FD673BFA-BC59-47CF-820F-8FEDB121844D}" type="datetimeFigureOut">
               <a:rPr lang="ru-RU" smtClean="0"/>
-              <a:t>18.01.2026</a:t>
+              <a:t>19.01.2026</a:t>
             </a:fld>
             <a:endParaRPr lang="ru-RU"/>
           </a:p>
@@ -2075,7 +2080,7 @@
           <a:p>
             <a:fld id="{FD673BFA-BC59-47CF-820F-8FEDB121844D}" type="datetimeFigureOut">
               <a:rPr lang="ru-RU" smtClean="0"/>
-              <a:t>18.01.2026</a:t>
+              <a:t>19.01.2026</a:t>
             </a:fld>
             <a:endParaRPr lang="ru-RU"/>
           </a:p>
@@ -2386,7 +2391,7 @@
           <a:p>
             <a:fld id="{FD673BFA-BC59-47CF-820F-8FEDB121844D}" type="datetimeFigureOut">
               <a:rPr lang="ru-RU" smtClean="0"/>
-              <a:t>18.01.2026</a:t>
+              <a:t>19.01.2026</a:t>
             </a:fld>
             <a:endParaRPr lang="ru-RU"/>
           </a:p>
@@ -2674,7 +2679,7 @@
           <a:p>
             <a:fld id="{FD673BFA-BC59-47CF-820F-8FEDB121844D}" type="datetimeFigureOut">
               <a:rPr lang="ru-RU" smtClean="0"/>
-              <a:t>18.01.2026</a:t>
+              <a:t>19.01.2026</a:t>
             </a:fld>
             <a:endParaRPr lang="ru-RU"/>
           </a:p>
@@ -2915,7 +2920,7 @@
           <a:p>
             <a:fld id="{FD673BFA-BC59-47CF-820F-8FEDB121844D}" type="datetimeFigureOut">
               <a:rPr lang="ru-RU" smtClean="0"/>
-              <a:t>18.01.2026</a:t>
+              <a:t>19.01.2026</a:t>
             </a:fld>
             <a:endParaRPr lang="ru-RU"/>
           </a:p>
@@ -3484,8 +3489,8 @@
         </p:nvSpPr>
         <p:spPr>
           <a:xfrm>
-            <a:off x="625642" y="1299411"/>
-            <a:ext cx="11566358" cy="5558588"/>
+            <a:off x="625642" y="1089891"/>
+            <a:ext cx="11566358" cy="5768108"/>
           </a:xfrm>
         </p:spPr>
         <p:txBody>
@@ -3509,28 +3514,14 @@
                 <a:latin typeface="Arial" panose="020B0604020202020204" pitchFamily="34" charset="0"/>
                 <a:cs typeface="Arial" panose="020B0604020202020204" pitchFamily="34" charset="0"/>
               </a:rPr>
-              <a:t>zip </a:t>
-            </a:r>
-            <a:r>
-              <a:rPr lang="ru-RU" dirty="0">
-                <a:latin typeface="Arial" panose="020B0604020202020204" pitchFamily="34" charset="0"/>
-                <a:cs typeface="Arial" panose="020B0604020202020204" pitchFamily="34" charset="0"/>
-              </a:rPr>
-              <a:t>архив с портала </a:t>
-            </a:r>
-            <a:r>
-              <a:rPr lang="en-US" dirty="0">
-                <a:latin typeface="Arial" panose="020B0604020202020204" pitchFamily="34" charset="0"/>
-                <a:cs typeface="Arial" panose="020B0604020202020204" pitchFamily="34" charset="0"/>
-              </a:rPr>
-              <a:t>GitHub</a:t>
-            </a:r>
-            <a:r>
-              <a:rPr lang="ru-RU" dirty="0">
-                <a:latin typeface="Arial" panose="020B0604020202020204" pitchFamily="34" charset="0"/>
-                <a:cs typeface="Arial" panose="020B0604020202020204" pitchFamily="34" charset="0"/>
-              </a:rPr>
-              <a:t> </a:t>
+              <a:t>LM Studio.exe </a:t>
+            </a:r>
+            <a:r>
+              <a:rPr lang="ru-RU" dirty="0">
+                <a:latin typeface="Arial" panose="020B0604020202020204" pitchFamily="34" charset="0"/>
+                <a:cs typeface="Arial" panose="020B0604020202020204" pitchFamily="34" charset="0"/>
+              </a:rPr>
+              <a:t>и веса модели с официального сайта и перенести на боевую машину</a:t>
             </a:r>
           </a:p>
           <a:p>
@@ -3542,27 +3533,105 @@
                 <a:latin typeface="Arial" panose="020B0604020202020204" pitchFamily="34" charset="0"/>
                 <a:cs typeface="Arial" panose="020B0604020202020204" pitchFamily="34" charset="0"/>
               </a:rPr>
-              <a:t>Перенести его на диске на боевую машину и разархивировать</a:t>
-            </a:r>
+              <a:t>Установить </a:t>
+            </a:r>
+            <a:r>
+              <a:rPr lang="en-US" dirty="0">
+                <a:latin typeface="Arial" panose="020B0604020202020204" pitchFamily="34" charset="0"/>
+                <a:cs typeface="Arial" panose="020B0604020202020204" pitchFamily="34" charset="0"/>
+              </a:rPr>
+              <a:t>LM Studio</a:t>
+            </a:r>
+            <a:r>
+              <a:rPr lang="ru-RU" dirty="0">
+                <a:latin typeface="Arial" panose="020B0604020202020204" pitchFamily="34" charset="0"/>
+                <a:cs typeface="Arial" panose="020B0604020202020204" pitchFamily="34" charset="0"/>
+              </a:rPr>
+              <a:t> на боевую машину</a:t>
+            </a:r>
+            <a:endParaRPr lang="en-US" dirty="0">
+              <a:latin typeface="Arial" panose="020B0604020202020204" pitchFamily="34" charset="0"/>
+              <a:cs typeface="Arial" panose="020B0604020202020204" pitchFamily="34" charset="0"/>
+            </a:endParaRPr>
           </a:p>
           <a:p>
             <a:pPr marL="514350" indent="-514350">
+              <a:buAutoNum type="arabicPeriod"/>
+            </a:pPr>
+            <a:r>
+              <a:rPr lang="ru-RU" dirty="0">
+                <a:latin typeface="Arial" panose="020B0604020202020204" pitchFamily="34" charset="0"/>
+                <a:cs typeface="Arial" panose="020B0604020202020204" pitchFamily="34" charset="0"/>
+              </a:rPr>
+              <a:t>Открыть </a:t>
+            </a:r>
+            <a:r>
+              <a:rPr lang="en-US" dirty="0">
+                <a:latin typeface="Arial" panose="020B0604020202020204" pitchFamily="34" charset="0"/>
+                <a:cs typeface="Arial" panose="020B0604020202020204" pitchFamily="34" charset="0"/>
+              </a:rPr>
+              <a:t>LM Studio </a:t>
+            </a:r>
+            <a:r>
+              <a:rPr lang="ru-RU" dirty="0">
+                <a:latin typeface="Arial" panose="020B0604020202020204" pitchFamily="34" charset="0"/>
+                <a:cs typeface="Arial" panose="020B0604020202020204" pitchFamily="34" charset="0"/>
+              </a:rPr>
+              <a:t>и прописать путь до модели </a:t>
+            </a:r>
+          </a:p>
+          <a:p>
+            <a:pPr marL="514350" indent="-514350" latinLnBrk="1">
               <a:buFont typeface="+mj-lt"/>
               <a:buAutoNum type="arabicPeriod"/>
             </a:pPr>
             <a:r>
-              <a:rPr lang="ru-RU" dirty="0">
-                <a:latin typeface="Arial" panose="020B0604020202020204" pitchFamily="34" charset="0"/>
-                <a:cs typeface="Arial" panose="020B0604020202020204" pitchFamily="34" charset="0"/>
-              </a:rPr>
-              <a:t>Запустить </a:t>
-            </a:r>
-            <a:r>
               <a:rPr lang="en-US" dirty="0">
                 <a:latin typeface="Arial" panose="020B0604020202020204" pitchFamily="34" charset="0"/>
                 <a:cs typeface="Arial" panose="020B0604020202020204" pitchFamily="34" charset="0"/>
               </a:rPr>
-              <a:t>start_gui.bat</a:t>
+              <a:t>Code Llama </a:t>
+            </a:r>
+            <a:r>
+              <a:rPr lang="ru-RU" dirty="0">
+                <a:latin typeface="Arial" panose="020B0604020202020204" pitchFamily="34" charset="0"/>
+                <a:cs typeface="Arial" panose="020B0604020202020204" pitchFamily="34" charset="0"/>
+              </a:rPr>
+              <a:t>готова к использованию через </a:t>
+            </a:r>
+            <a:r>
+              <a:rPr lang="en-US" dirty="0">
+                <a:latin typeface="Arial" panose="020B0604020202020204" pitchFamily="34" charset="0"/>
+                <a:cs typeface="Arial" panose="020B0604020202020204" pitchFamily="34" charset="0"/>
+              </a:rPr>
+              <a:t>LM Studio </a:t>
+            </a:r>
+            <a:r>
+              <a:rPr lang="ru-RU" dirty="0">
+                <a:latin typeface="Arial" panose="020B0604020202020204" pitchFamily="34" charset="0"/>
+                <a:cs typeface="Arial" panose="020B0604020202020204" pitchFamily="34" charset="0"/>
+              </a:rPr>
+              <a:t>или по</a:t>
+            </a:r>
+          </a:p>
+          <a:p>
+            <a:pPr marL="0" indent="0" latinLnBrk="1">
+              <a:buNone/>
+            </a:pPr>
+            <a:r>
+              <a:rPr lang="ru-RU" dirty="0">
+                <a:latin typeface="Arial" panose="020B0604020202020204" pitchFamily="34" charset="0"/>
+                <a:cs typeface="Arial" panose="020B0604020202020204" pitchFamily="34" charset="0"/>
+              </a:rPr>
+              <a:t>      адресу </a:t>
+            </a:r>
+            <a:r>
+              <a:rPr lang="ru-RU" dirty="0">
+                <a:latin typeface="Arial" panose="020B0604020202020204" pitchFamily="34" charset="0"/>
+                <a:cs typeface="Arial" panose="020B0604020202020204" pitchFamily="34" charset="0"/>
+                <a:hlinkClick r:id="rId2"/>
+              </a:rPr>
+              <a:t>http://localhost:8080</a:t>
             </a:r>
             <a:endParaRPr lang="ru-RU" dirty="0">
               <a:latin typeface="Arial" panose="020B0604020202020204" pitchFamily="34" charset="0"/>
@@ -3570,48 +3639,16 @@
             </a:endParaRPr>
           </a:p>
           <a:p>
-            <a:pPr marL="514350" indent="-514350" latinLnBrk="1">
-              <a:buFont typeface="+mj-lt"/>
-              <a:buAutoNum type="arabicPeriod"/>
+            <a:pPr marL="0" indent="0" latinLnBrk="1">
+              <a:buNone/>
             </a:pPr>
             <a:r>
               <a:rPr lang="ru-RU" dirty="0">
                 <a:latin typeface="Arial" panose="020B0604020202020204" pitchFamily="34" charset="0"/>
                 <a:cs typeface="Arial" panose="020B0604020202020204" pitchFamily="34" charset="0"/>
               </a:rPr>
-              <a:t>Открыть браузер</a:t>
-            </a:r>
-          </a:p>
-          <a:p>
-            <a:pPr marL="514350" indent="-514350" latinLnBrk="1">
-              <a:buFont typeface="+mj-lt"/>
-              <a:buAutoNum type="arabicPeriod"/>
-            </a:pPr>
-            <a:r>
-              <a:rPr lang="ru-RU" dirty="0">
-                <a:latin typeface="Arial" panose="020B0604020202020204" pitchFamily="34" charset="0"/>
-                <a:cs typeface="Arial" panose="020B0604020202020204" pitchFamily="34" charset="0"/>
-              </a:rPr>
-              <a:t>Перейти на </a:t>
-            </a:r>
-            <a:r>
-              <a:rPr lang="ru-RU" dirty="0">
-                <a:latin typeface="Arial" panose="020B0604020202020204" pitchFamily="34" charset="0"/>
-                <a:cs typeface="Arial" panose="020B0604020202020204" pitchFamily="34" charset="0"/>
-                <a:hlinkClick r:id="rId2"/>
-              </a:rPr>
-              <a:t>http://localhost:8080</a:t>
-            </a:r>
-            <a:endParaRPr lang="ru-RU" dirty="0">
-              <a:latin typeface="Arial" panose="020B0604020202020204" pitchFamily="34" charset="0"/>
-              <a:cs typeface="Arial" panose="020B0604020202020204" pitchFamily="34" charset="0"/>
-            </a:endParaRPr>
-          </a:p>
-          <a:p>
-            <a:pPr marL="514350" indent="-514350" latinLnBrk="1">
-              <a:buFont typeface="+mj-lt"/>
-              <a:buAutoNum type="arabicPeriod"/>
-            </a:pPr>
+              <a:t>5.  </a:t>
+            </a:r>
             <a:r>
               <a:rPr lang="en-US" dirty="0">
                 <a:latin typeface="Arial" panose="020B0604020202020204" pitchFamily="34" charset="0"/>
@@ -3679,11 +3716,18 @@
               <a:buNone/>
             </a:pPr>
             <a:r>
+              <a:rPr lang="ru-RU" dirty="0">
+                <a:latin typeface="Arial" panose="020B0604020202020204" pitchFamily="34" charset="0"/>
+                <a:cs typeface="Arial" panose="020B0604020202020204" pitchFamily="34" charset="0"/>
+              </a:rPr>
+              <a:t>6</a:t>
+            </a:r>
+            <a:r>
               <a:rPr lang="en-US" dirty="0">
                 <a:latin typeface="Arial" panose="020B0604020202020204" pitchFamily="34" charset="0"/>
                 <a:cs typeface="Arial" panose="020B0604020202020204" pitchFamily="34" charset="0"/>
               </a:rPr>
-              <a:t>7. </a:t>
+              <a:t>. </a:t>
             </a:r>
             <a:r>
               <a:rPr lang="ru-RU" dirty="0">
